--- a/마이크로 프로세서/4차/4조.pptx
+++ b/마이크로 프로세서/4차/4조.pptx
@@ -6011,7 +6011,15 @@
             </a:pPr>
             <a:r>
               <a:rPr lang="ko-KR" altLang="en-US" sz="4500" dirty="0"/>
-              <a:t>마이크로 프로세서 </a:t>
+              <a:t>마이크로 프로세서  </a:t>
+            </a:r>
+            <a:r>
+              <a:rPr lang="en-US" altLang="ko-KR" sz="4000" dirty="0"/>
+              <a:t>4</a:t>
+            </a:r>
+            <a:r>
+              <a:rPr lang="ko-KR" altLang="en-US" sz="4000" dirty="0"/>
+              <a:t>조 </a:t>
             </a:r>
             <a:r>
               <a:rPr lang="en-US" altLang="ko-KR" sz="4000" dirty="0"/>
